--- a/doc/Thesis_Presentation.pptx
+++ b/doc/Thesis_Presentation.pptx
@@ -125,6 +125,11 @@
       </a:defRPr>
     </a:lvl9pPr>
   </p:defaultTextStyle>
+  <p:extLst>
+    <p:ext uri="{EFAFB233-063F-42B5-8137-9DF3F51BA10A}">
+      <p15:sldGuideLst xmlns:p15="http://schemas.microsoft.com/office/powerpoint/2012/main"/>
+    </p:ext>
+  </p:extLst>
 </p:presentation>
 </file>
 
@@ -850,7 +855,7 @@
           <a:p>
             <a:fld id="{975C3A5D-7EC7-4F4B-B103-1F47840BBE42}" type="datetimeFigureOut">
               <a:rPr lang="el-GR" smtClean="0"/>
-              <a:t>16/10/2023</a:t>
+              <a:t>11/11/2023</a:t>
             </a:fld>
             <a:endParaRPr lang="el-GR"/>
           </a:p>
@@ -1101,7 +1106,7 @@
           <a:p>
             <a:fld id="{975C3A5D-7EC7-4F4B-B103-1F47840BBE42}" type="datetimeFigureOut">
               <a:rPr lang="el-GR" smtClean="0"/>
-              <a:t>16/10/2023</a:t>
+              <a:t>11/11/2023</a:t>
             </a:fld>
             <a:endParaRPr lang="el-GR"/>
           </a:p>
@@ -1415,7 +1420,7 @@
           <a:p>
             <a:fld id="{975C3A5D-7EC7-4F4B-B103-1F47840BBE42}" type="datetimeFigureOut">
               <a:rPr lang="el-GR" smtClean="0"/>
-              <a:t>16/10/2023</a:t>
+              <a:t>11/11/2023</a:t>
             </a:fld>
             <a:endParaRPr lang="el-GR"/>
           </a:p>
@@ -1756,7 +1761,7 @@
           <a:p>
             <a:fld id="{975C3A5D-7EC7-4F4B-B103-1F47840BBE42}" type="datetimeFigureOut">
               <a:rPr lang="el-GR" smtClean="0"/>
-              <a:t>16/10/2023</a:t>
+              <a:t>11/11/2023</a:t>
             </a:fld>
             <a:endParaRPr lang="el-GR"/>
           </a:p>
@@ -2070,7 +2075,7 @@
           <a:p>
             <a:fld id="{975C3A5D-7EC7-4F4B-B103-1F47840BBE42}" type="datetimeFigureOut">
               <a:rPr lang="el-GR" smtClean="0"/>
-              <a:t>16/10/2023</a:t>
+              <a:t>11/11/2023</a:t>
             </a:fld>
             <a:endParaRPr lang="el-GR"/>
           </a:p>
@@ -2463,7 +2468,7 @@
           <a:p>
             <a:fld id="{975C3A5D-7EC7-4F4B-B103-1F47840BBE42}" type="datetimeFigureOut">
               <a:rPr lang="el-GR" smtClean="0"/>
-              <a:t>16/10/2023</a:t>
+              <a:t>11/11/2023</a:t>
             </a:fld>
             <a:endParaRPr lang="el-GR"/>
           </a:p>
@@ -2633,7 +2638,7 @@
           <a:p>
             <a:fld id="{975C3A5D-7EC7-4F4B-B103-1F47840BBE42}" type="datetimeFigureOut">
               <a:rPr lang="el-GR" smtClean="0"/>
-              <a:t>16/10/2023</a:t>
+              <a:t>11/11/2023</a:t>
             </a:fld>
             <a:endParaRPr lang="el-GR"/>
           </a:p>
@@ -2813,7 +2818,7 @@
           <a:p>
             <a:fld id="{975C3A5D-7EC7-4F4B-B103-1F47840BBE42}" type="datetimeFigureOut">
               <a:rPr lang="el-GR" smtClean="0"/>
-              <a:t>16/10/2023</a:t>
+              <a:t>11/11/2023</a:t>
             </a:fld>
             <a:endParaRPr lang="el-GR"/>
           </a:p>
@@ -2989,7 +2994,7 @@
           <a:p>
             <a:fld id="{975C3A5D-7EC7-4F4B-B103-1F47840BBE42}" type="datetimeFigureOut">
               <a:rPr lang="el-GR" smtClean="0"/>
-              <a:t>16/10/2023</a:t>
+              <a:t>11/11/2023</a:t>
             </a:fld>
             <a:endParaRPr lang="el-GR"/>
           </a:p>
@@ -3236,7 +3241,7 @@
           <a:p>
             <a:fld id="{975C3A5D-7EC7-4F4B-B103-1F47840BBE42}" type="datetimeFigureOut">
               <a:rPr lang="el-GR" smtClean="0"/>
-              <a:t>16/10/2023</a:t>
+              <a:t>11/11/2023</a:t>
             </a:fld>
             <a:endParaRPr lang="el-GR"/>
           </a:p>
@@ -3468,7 +3473,7 @@
           <a:p>
             <a:fld id="{975C3A5D-7EC7-4F4B-B103-1F47840BBE42}" type="datetimeFigureOut">
               <a:rPr lang="el-GR" smtClean="0"/>
-              <a:t>16/10/2023</a:t>
+              <a:t>11/11/2023</a:t>
             </a:fld>
             <a:endParaRPr lang="el-GR"/>
           </a:p>
@@ -3842,7 +3847,7 @@
           <a:p>
             <a:fld id="{975C3A5D-7EC7-4F4B-B103-1F47840BBE42}" type="datetimeFigureOut">
               <a:rPr lang="el-GR" smtClean="0"/>
-              <a:t>16/10/2023</a:t>
+              <a:t>11/11/2023</a:t>
             </a:fld>
             <a:endParaRPr lang="el-GR"/>
           </a:p>
@@ -3965,7 +3970,7 @@
           <a:p>
             <a:fld id="{975C3A5D-7EC7-4F4B-B103-1F47840BBE42}" type="datetimeFigureOut">
               <a:rPr lang="el-GR" smtClean="0"/>
-              <a:t>16/10/2023</a:t>
+              <a:t>11/11/2023</a:t>
             </a:fld>
             <a:endParaRPr lang="el-GR"/>
           </a:p>
@@ -4060,7 +4065,7 @@
           <a:p>
             <a:fld id="{975C3A5D-7EC7-4F4B-B103-1F47840BBE42}" type="datetimeFigureOut">
               <a:rPr lang="el-GR" smtClean="0"/>
-              <a:t>16/10/2023</a:t>
+              <a:t>11/11/2023</a:t>
             </a:fld>
             <a:endParaRPr lang="el-GR"/>
           </a:p>
@@ -4315,7 +4320,7 @@
           <a:p>
             <a:fld id="{975C3A5D-7EC7-4F4B-B103-1F47840BBE42}" type="datetimeFigureOut">
               <a:rPr lang="el-GR" smtClean="0"/>
-              <a:t>16/10/2023</a:t>
+              <a:t>11/11/2023</a:t>
             </a:fld>
             <a:endParaRPr lang="el-GR"/>
           </a:p>
@@ -4578,7 +4583,7 @@
           <a:p>
             <a:fld id="{975C3A5D-7EC7-4F4B-B103-1F47840BBE42}" type="datetimeFigureOut">
               <a:rPr lang="el-GR" smtClean="0"/>
-              <a:t>16/10/2023</a:t>
+              <a:t>11/11/2023</a:t>
             </a:fld>
             <a:endParaRPr lang="el-GR"/>
           </a:p>
@@ -5321,7 +5326,7 @@
           <a:p>
             <a:fld id="{975C3A5D-7EC7-4F4B-B103-1F47840BBE42}" type="datetimeFigureOut">
               <a:rPr lang="el-GR" smtClean="0"/>
-              <a:t>16/10/2023</a:t>
+              <a:t>11/11/2023</a:t>
             </a:fld>
             <a:endParaRPr lang="el-GR"/>
           </a:p>
@@ -5979,29 +5984,7 @@
                   </a:schemeClr>
                 </a:solidFill>
               </a:rPr>
-              <a:t>Τμήμα </a:t>
-            </a:r>
-            <a:r>
-              <a:rPr lang="el-GR" dirty="0" err="1">
-                <a:solidFill>
-                  <a:schemeClr val="tx1">
-                    <a:lumMod val="75000"/>
-                    <a:lumOff val="25000"/>
-                  </a:schemeClr>
-                </a:solidFill>
-              </a:rPr>
-              <a:t>Ηλεκτρολογών</a:t>
-            </a:r>
-            <a:r>
-              <a:rPr lang="el-GR" dirty="0">
-                <a:solidFill>
-                  <a:schemeClr val="tx1">
-                    <a:lumMod val="75000"/>
-                    <a:lumOff val="25000"/>
-                  </a:schemeClr>
-                </a:solidFill>
-              </a:rPr>
-              <a:t> Μηχανικών και Μηχανικών Υπολογιστών Αριστοτέλειο Πανεπιστήμιο Θεσσαλονίκης, Ελλάδα</a:t>
+              <a:t>Τμήμα Ηλεκτρολόγων Μηχανικών και Μηχανικών Υπολογιστών Αριστοτέλειο Πανεπιστήμιο Θεσσαλονίκης, Ελλάδα</a:t>
             </a:r>
           </a:p>
         </p:txBody>
@@ -7437,12 +7420,8 @@
           <a:lstStyle/>
           <a:p>
             <a:r>
-              <a:rPr lang="el-GR" dirty="0" err="1"/>
-              <a:t>Σύγριση</a:t>
-            </a:r>
-            <a:r>
-              <a:rPr lang="el-GR" dirty="0"/>
-              <a:t> </a:t>
+              <a:rPr lang="el-GR" dirty="0"/>
+              <a:t>Σύγκριση </a:t>
             </a:r>
             <a:r>
               <a:rPr lang="en-US" dirty="0"/>
@@ -8973,15 +8952,7 @@
           <a:p>
             <a:r>
               <a:rPr lang="el-GR" dirty="0"/>
-              <a:t>Πολυπλοκότητα των παραδοσιακών κατανεμημένων μοντέλων </a:t>
-            </a:r>
-            <a:r>
-              <a:rPr lang="el-GR" dirty="0" err="1"/>
-              <a:t>προγαμματισμού</a:t>
-            </a:r>
-            <a:r>
-              <a:rPr lang="el-GR" dirty="0"/>
-              <a:t>, που οδηγεί σε δυσκολία συντήρησης του κώδικα.</a:t>
+              <a:t>Πολυπλοκότητα των παραδοσιακών κατανεμημένων μοντέλων προγραμματισμού, που οδηγεί σε δυσκολία συντήρησης του κώδικα.</a:t>
             </a:r>
           </a:p>
         </p:txBody>
@@ -9984,15 +9955,7 @@
           <a:p>
             <a:r>
               <a:rPr lang="el-GR" dirty="0"/>
-              <a:t>Η επιλογή ενός κατάλληλου πίνακα R είναι σημαντική για την απλοποίηση των υπολογισμών, </a:t>
-            </a:r>
-            <a:r>
-              <a:rPr lang="el-GR" dirty="0" err="1"/>
-              <a:t>οποτε</a:t>
-            </a:r>
-            <a:r>
-              <a:rPr lang="el-GR" dirty="0"/>
-              <a:t> αν και μπορούμε να επιλέξουμε έναν πίνακα που ακολουθεί μια </a:t>
+              <a:t>Η επιλογή ενός κατάλληλου πίνακα R είναι σημαντική για την απλοποίηση των υπολογισμών, οπότε αν και μπορούμε να επιλέξουμε έναν πίνακα που ακολουθεί μια </a:t>
             </a:r>
             <a:r>
               <a:rPr lang="el-GR" dirty="0" err="1"/>
@@ -10463,7 +10426,15 @@
             </a:r>
             <a:r>
               <a:rPr lang="el-GR" dirty="0"/>
-              <a:t> τους μέσω της τυχαίας προβολής, και το r είναι ένας ακέραιος αριθμός για τον οποίο ισχύει ότι r ≥ r0 = O(ϵ−2logd).</a:t>
+              <a:t> τους μέσω της τυχαίας προβολής, και το r είναι ένας ακέραιος αριθμός για τον οποίο ισχύει ότι r ≥ r0 = O(ϵ</a:t>
+            </a:r>
+            <a:r>
+              <a:rPr lang="el-GR" baseline="30000" dirty="0"/>
+              <a:t>−2</a:t>
+            </a:r>
+            <a:r>
+              <a:rPr lang="el-GR" dirty="0"/>
+              <a:t>logd).</a:t>
             </a:r>
           </a:p>
         </p:txBody>
